--- a/Presentation.pptx
+++ b/Presentation.pptx
@@ -7,13 +7,9 @@
   <p:sldIdLst>
     <p:sldId id="258" r:id="rId2"/>
     <p:sldId id="257" r:id="rId3"/>
-    <p:sldId id="259" r:id="rId4"/>
-    <p:sldId id="260" r:id="rId5"/>
-    <p:sldId id="261" r:id="rId6"/>
-    <p:sldId id="262" r:id="rId7"/>
-    <p:sldId id="263" r:id="rId8"/>
-    <p:sldId id="264" r:id="rId9"/>
-    <p:sldId id="265" r:id="rId10"/>
+    <p:sldId id="261" r:id="rId4"/>
+    <p:sldId id="263" r:id="rId5"/>
+    <p:sldId id="265" r:id="rId6"/>
   </p:sldIdLst>
   <p:sldSz cx="9144000" cy="6858000" type="screen4x3"/>
   <p:notesSz cx="6858000" cy="9144000"/>
@@ -126,16 +122,12 @@
         <p14:section name="Introduction" id="{EB9305F4-F108-41FB-9779-599A8DF51657}">
           <p14:sldIdLst>
             <p14:sldId id="257"/>
-            <p14:sldId id="259"/>
           </p14:sldIdLst>
         </p14:section>
         <p14:section name="Untitled Section" id="{32AD8A51-1933-474E-B7EF-340197210483}">
           <p14:sldIdLst>
-            <p14:sldId id="260"/>
             <p14:sldId id="261"/>
-            <p14:sldId id="262"/>
             <p14:sldId id="263"/>
-            <p14:sldId id="264"/>
             <p14:sldId id="265"/>
           </p14:sldIdLst>
         </p14:section>
@@ -3273,7 +3265,7 @@
           <a:p>
             <a:fld id="{1BF03479-7810-4009-93B1-567C26F5540D}" type="datetimeFigureOut">
               <a:rPr lang="en-US" smtClean="0"/>
-              <a:t>3/11/2021</a:t>
+              <a:t>3/12/2021</a:t>
             </a:fld>
             <a:endParaRPr lang="en-US"/>
           </a:p>
@@ -3571,7 +3563,7 @@
           <a:p>
             <a:fld id="{1BF03479-7810-4009-93B1-567C26F5540D}" type="datetimeFigureOut">
               <a:rPr lang="en-US" smtClean="0"/>
-              <a:t>3/11/2021</a:t>
+              <a:t>3/12/2021</a:t>
             </a:fld>
             <a:endParaRPr lang="en-US"/>
           </a:p>
@@ -3745,7 +3737,7 @@
           <a:p>
             <a:fld id="{1BF03479-7810-4009-93B1-567C26F5540D}" type="datetimeFigureOut">
               <a:rPr lang="en-US" smtClean="0"/>
-              <a:t>3/11/2021</a:t>
+              <a:t>3/12/2021</a:t>
             </a:fld>
             <a:endParaRPr lang="en-US"/>
           </a:p>
@@ -3909,7 +3901,7 @@
           <a:p>
             <a:fld id="{1BF03479-7810-4009-93B1-567C26F5540D}" type="datetimeFigureOut">
               <a:rPr lang="en-US" smtClean="0"/>
-              <a:t>3/11/2021</a:t>
+              <a:t>3/12/2021</a:t>
             </a:fld>
             <a:endParaRPr lang="en-US"/>
           </a:p>
@@ -4168,7 +4160,7 @@
           <a:p>
             <a:fld id="{1BF03479-7810-4009-93B1-567C26F5540D}" type="datetimeFigureOut">
               <a:rPr lang="en-US" smtClean="0"/>
-              <a:t>3/11/2021</a:t>
+              <a:t>3/12/2021</a:t>
             </a:fld>
             <a:endParaRPr lang="en-US"/>
           </a:p>
@@ -4621,7 +4613,7 @@
           <a:p>
             <a:fld id="{1BF03479-7810-4009-93B1-567C26F5540D}" type="datetimeFigureOut">
               <a:rPr lang="en-US" smtClean="0"/>
-              <a:t>3/11/2021</a:t>
+              <a:t>3/12/2021</a:t>
             </a:fld>
             <a:endParaRPr lang="en-US"/>
           </a:p>
@@ -5103,7 +5095,7 @@
           <a:p>
             <a:fld id="{1BF03479-7810-4009-93B1-567C26F5540D}" type="datetimeFigureOut">
               <a:rPr lang="en-US" smtClean="0"/>
-              <a:t>3/11/2021</a:t>
+              <a:t>3/12/2021</a:t>
             </a:fld>
             <a:endParaRPr lang="en-US"/>
           </a:p>
@@ -5220,7 +5212,7 @@
           <a:p>
             <a:fld id="{1BF03479-7810-4009-93B1-567C26F5540D}" type="datetimeFigureOut">
               <a:rPr lang="en-US" smtClean="0"/>
-              <a:t>3/11/2021</a:t>
+              <a:t>3/12/2021</a:t>
             </a:fld>
             <a:endParaRPr lang="en-US"/>
           </a:p>
@@ -5356,7 +5348,7 @@
           <a:p>
             <a:fld id="{1BF03479-7810-4009-93B1-567C26F5540D}" type="datetimeFigureOut">
               <a:rPr lang="en-US" smtClean="0"/>
-              <a:t>3/11/2021</a:t>
+              <a:t>3/12/2021</a:t>
             </a:fld>
             <a:endParaRPr lang="en-US"/>
           </a:p>
@@ -5669,7 +5661,7 @@
           <a:p>
             <a:fld id="{1BF03479-7810-4009-93B1-567C26F5540D}" type="datetimeFigureOut">
               <a:rPr lang="en-US" smtClean="0"/>
-              <a:t>3/11/2021</a:t>
+              <a:t>3/12/2021</a:t>
             </a:fld>
             <a:endParaRPr lang="en-US"/>
           </a:p>
@@ -5796,7 +5788,7 @@
           <a:p>
             <a:fld id="{1BF03479-7810-4009-93B1-567C26F5540D}" type="datetimeFigureOut">
               <a:rPr lang="en-US" smtClean="0"/>
-              <a:t>3/11/2021</a:t>
+              <a:t>3/12/2021</a:t>
             </a:fld>
             <a:endParaRPr lang="en-US"/>
           </a:p>
@@ -6553,7 +6545,7 @@
           <a:p>
             <a:fld id="{1BF03479-7810-4009-93B1-567C26F5540D}" type="datetimeFigureOut">
               <a:rPr lang="en-US" smtClean="0"/>
-              <a:t>3/11/2021</a:t>
+              <a:t>3/12/2021</a:t>
             </a:fld>
             <a:endParaRPr lang="en-US"/>
           </a:p>
@@ -7320,7 +7312,7 @@
             </a:r>
             <a:r>
               <a:rPr lang="de-DE" sz="3200" dirty="0"/>
-              <a:t>:  Tree Volume Prediction using Linear Regression</a:t>
+              <a:t>:  Tree Volume Prediction</a:t>
             </a:r>
             <a:endParaRPr lang="en-US" sz="3600" dirty="0"/>
           </a:p>
@@ -7561,7 +7553,7 @@
           <a:p>
             <a:r>
               <a:rPr lang="de-DE" sz="2000" dirty="0"/>
-              <a:t>The objective set out in this project is to be able to determine the volume of a given tree species based other features. </a:t>
+              <a:t>The objective set out in this project is to be able to predict the volume of a given tree species based other features. </a:t>
             </a:r>
           </a:p>
           <a:p>
@@ -7570,7 +7562,7 @@
           <a:p>
             <a:r>
               <a:rPr lang="de-DE" sz="2000" dirty="0"/>
-              <a:t>Holding other wood qualities constant, timber prices is determine based on its volume and therefore this feature is important for Forester and investors</a:t>
+              <a:t>Holding other wood qualities constant, timber prices is determined based on its volume and therefore this feature is important for Forester and investors</a:t>
             </a:r>
             <a:r>
               <a:rPr lang="de-DE" dirty="0"/>
@@ -7578,17 +7570,40 @@
             </a:r>
           </a:p>
           <a:p>
-            <a:r>
-              <a:rPr lang="de-DE" sz="2000" dirty="0"/>
-              <a:t>This information will provide guidance to investors in deciding the particular species type(s) and </a:t>
-            </a:r>
-            <a:endParaRPr lang="en-US" sz="2000" dirty="0"/>
-          </a:p>
-          <a:p>
             <a:endParaRPr lang="de-DE" dirty="0"/>
           </a:p>
         </p:txBody>
       </p:sp>
+      <p:pic>
+        <p:nvPicPr>
+          <p:cNvPr id="4" name="Picture 3">
+            <a:extLst>
+              <a:ext uri="{FF2B5EF4-FFF2-40B4-BE49-F238E27FC236}">
+                <a16:creationId xmlns:a16="http://schemas.microsoft.com/office/drawing/2014/main" id="{F8DB0361-8901-468F-8C00-1056AF4357DB}"/>
+              </a:ext>
+            </a:extLst>
+          </p:cNvPr>
+          <p:cNvPicPr>
+            <a:picLocks noChangeAspect="1"/>
+          </p:cNvPicPr>
+          <p:nvPr/>
+        </p:nvPicPr>
+        <p:blipFill>
+          <a:blip r:embed="rId2"/>
+          <a:stretch>
+            <a:fillRect/>
+          </a:stretch>
+        </p:blipFill>
+        <p:spPr>
+          <a:xfrm>
+            <a:off x="2104644" y="3848100"/>
+            <a:ext cx="5943600" cy="2514600"/>
+          </a:xfrm>
+          <a:prstGeom prst="rect">
+            <a:avLst/>
+          </a:prstGeom>
+        </p:spPr>
+      </p:pic>
     </p:spTree>
     <p:extLst>
       <p:ext uri="{BB962C8B-B14F-4D97-AF65-F5344CB8AC3E}">
@@ -7603,595 +7618,6 @@
 </file>
 
 <file path=ppt/slides/slide3.xml><?xml version="1.0" encoding="utf-8"?>
-<p:sld xmlns:a="http://schemas.openxmlformats.org/drawingml/2006/main" xmlns:r="http://schemas.openxmlformats.org/officeDocument/2006/relationships" xmlns:p="http://schemas.openxmlformats.org/presentationml/2006/main">
-  <p:cSld>
-    <p:spTree>
-      <p:nvGrpSpPr>
-        <p:cNvPr id="1" name=""/>
-        <p:cNvGrpSpPr/>
-        <p:nvPr/>
-      </p:nvGrpSpPr>
-      <p:grpSpPr>
-        <a:xfrm>
-          <a:off x="0" y="0"/>
-          <a:ext cx="0" cy="0"/>
-          <a:chOff x="0" y="0"/>
-          <a:chExt cx="0" cy="0"/>
-        </a:xfrm>
-      </p:grpSpPr>
-      <p:sp>
-        <p:nvSpPr>
-          <p:cNvPr id="2" name="Title 1"/>
-          <p:cNvSpPr>
-            <a:spLocks noGrp="1"/>
-          </p:cNvSpPr>
-          <p:nvPr>
-            <p:ph type="title"/>
-          </p:nvPr>
-        </p:nvSpPr>
-        <p:spPr>
-          <a:xfrm>
-            <a:off x="2895600" y="-76200"/>
-            <a:ext cx="4724400" cy="868362"/>
-          </a:xfrm>
-        </p:spPr>
-        <p:txBody>
-          <a:bodyPr>
-            <a:normAutofit/>
-          </a:bodyPr>
-          <a:lstStyle/>
-          <a:p>
-            <a:pPr algn="ctr"/>
-            <a:r>
-              <a:rPr lang="de-DE" dirty="0"/>
-              <a:t>Data Exploration</a:t>
-            </a:r>
-            <a:endParaRPr lang="en-US" dirty="0"/>
-          </a:p>
-        </p:txBody>
-      </p:sp>
-      <p:graphicFrame>
-        <p:nvGraphicFramePr>
-          <p:cNvPr id="4" name="Content Placeholder 3"/>
-          <p:cNvGraphicFramePr>
-            <a:graphicFrameLocks noGrp="1"/>
-          </p:cNvGraphicFramePr>
-          <p:nvPr>
-            <p:ph idx="1"/>
-            <p:extLst>
-              <p:ext uri="{D42A27DB-BD31-4B8C-83A1-F6EECF244321}">
-                <p14:modId xmlns:p14="http://schemas.microsoft.com/office/powerpoint/2010/main" val="850042672"/>
-              </p:ext>
-            </p:extLst>
-          </p:nvPr>
-        </p:nvGraphicFramePr>
-        <p:xfrm>
-          <a:off x="3657600" y="914400"/>
-          <a:ext cx="3429000" cy="5852160"/>
-        </p:xfrm>
-        <a:graphic>
-          <a:graphicData uri="http://schemas.openxmlformats.org/drawingml/2006/table">
-            <a:tbl>
-              <a:tblPr firstRow="1" bandRow="1">
-                <a:tableStyleId>{5C22544A-7EE6-4342-B048-85BDC9FD1C3A}</a:tableStyleId>
-              </a:tblPr>
-              <a:tblGrid>
-                <a:gridCol w="3429000">
-                  <a:extLst>
-                    <a:ext uri="{9D8B030D-6E8A-4147-A177-3AD203B41FA5}">
-                      <a16:colId xmlns:a16="http://schemas.microsoft.com/office/drawing/2014/main" val="20000"/>
-                    </a:ext>
-                  </a:extLst>
-                </a:gridCol>
-              </a:tblGrid>
-              <a:tr h="335280">
-                <a:tc>
-                  <a:txBody>
-                    <a:bodyPr/>
-                    <a:lstStyle/>
-                    <a:p>
-                      <a:pPr algn="ctr"/>
-                      <a:r>
-                        <a:rPr lang="de-DE" dirty="0"/>
-                        <a:t>Features</a:t>
-                      </a:r>
-                      <a:endParaRPr lang="en-US" dirty="0"/>
-                    </a:p>
-                  </a:txBody>
-                  <a:tcPr/>
-                </a:tc>
-                <a:extLst>
-                  <a:ext uri="{0D108BD9-81ED-4DB2-BD59-A6C34878D82A}">
-                    <a16:rowId xmlns:a16="http://schemas.microsoft.com/office/drawing/2014/main" val="10000"/>
-                  </a:ext>
-                </a:extLst>
-              </a:tr>
-              <a:tr h="335280">
-                <a:tc>
-                  <a:txBody>
-                    <a:bodyPr/>
-                    <a:lstStyle/>
-                    <a:p>
-                      <a:pPr algn="ctr"/>
-                      <a:r>
-                        <a:rPr lang="de-DE" dirty="0">
-                          <a:solidFill>
-                            <a:srgbClr val="92D050"/>
-                          </a:solidFill>
-                        </a:rPr>
-                        <a:t>Adress_forest </a:t>
-                      </a:r>
-                      <a:endParaRPr lang="en-US" dirty="0">
-                        <a:solidFill>
-                          <a:srgbClr val="92D050"/>
-                        </a:solidFill>
-                      </a:endParaRPr>
-                    </a:p>
-                  </a:txBody>
-                  <a:tcPr/>
-                </a:tc>
-                <a:extLst>
-                  <a:ext uri="{0D108BD9-81ED-4DB2-BD59-A6C34878D82A}">
-                    <a16:rowId xmlns:a16="http://schemas.microsoft.com/office/drawing/2014/main" val="10001"/>
-                  </a:ext>
-                </a:extLst>
-              </a:tr>
-              <a:tr h="335280">
-                <a:tc>
-                  <a:txBody>
-                    <a:bodyPr/>
-                    <a:lstStyle/>
-                    <a:p>
-                      <a:pPr algn="ctr"/>
-                      <a:r>
-                        <a:rPr lang="de-DE" dirty="0"/>
-                        <a:t>Stand_struc</a:t>
-                      </a:r>
-                      <a:endParaRPr lang="en-US" dirty="0"/>
-                    </a:p>
-                  </a:txBody>
-                  <a:tcPr/>
-                </a:tc>
-                <a:extLst>
-                  <a:ext uri="{0D108BD9-81ED-4DB2-BD59-A6C34878D82A}">
-                    <a16:rowId xmlns:a16="http://schemas.microsoft.com/office/drawing/2014/main" val="10002"/>
-                  </a:ext>
-                </a:extLst>
-              </a:tr>
-              <a:tr h="335280">
-                <a:tc>
-                  <a:txBody>
-                    <a:bodyPr/>
-                    <a:lstStyle/>
-                    <a:p>
-                      <a:pPr algn="ctr"/>
-                      <a:r>
-                        <a:rPr lang="de-DE" dirty="0"/>
-                        <a:t>Sub_area</a:t>
-                      </a:r>
-                      <a:endParaRPr lang="en-US" dirty="0"/>
-                    </a:p>
-                  </a:txBody>
-                  <a:tcPr/>
-                </a:tc>
-                <a:extLst>
-                  <a:ext uri="{0D108BD9-81ED-4DB2-BD59-A6C34878D82A}">
-                    <a16:rowId xmlns:a16="http://schemas.microsoft.com/office/drawing/2014/main" val="10003"/>
-                  </a:ext>
-                </a:extLst>
-              </a:tr>
-              <a:tr h="335280">
-                <a:tc>
-                  <a:txBody>
-                    <a:bodyPr/>
-                    <a:lstStyle/>
-                    <a:p>
-                      <a:pPr algn="ctr"/>
-                      <a:r>
-                        <a:rPr lang="de-DE" dirty="0"/>
-                        <a:t>Site_type</a:t>
-                      </a:r>
-                      <a:endParaRPr lang="en-US" dirty="0"/>
-                    </a:p>
-                  </a:txBody>
-                  <a:tcPr/>
-                </a:tc>
-                <a:extLst>
-                  <a:ext uri="{0D108BD9-81ED-4DB2-BD59-A6C34878D82A}">
-                    <a16:rowId xmlns:a16="http://schemas.microsoft.com/office/drawing/2014/main" val="10004"/>
-                  </a:ext>
-                </a:extLst>
-              </a:tr>
-              <a:tr h="335280">
-                <a:tc>
-                  <a:txBody>
-                    <a:bodyPr/>
-                    <a:lstStyle/>
-                    <a:p>
-                      <a:pPr algn="ctr"/>
-                      <a:r>
-                        <a:rPr lang="de-DE" dirty="0">
-                          <a:solidFill>
-                            <a:srgbClr val="92D050"/>
-                          </a:solidFill>
-                        </a:rPr>
-                        <a:t>Storey</a:t>
-                      </a:r>
-                      <a:endParaRPr lang="en-US" dirty="0">
-                        <a:solidFill>
-                          <a:srgbClr val="92D050"/>
-                        </a:solidFill>
-                      </a:endParaRPr>
-                    </a:p>
-                  </a:txBody>
-                  <a:tcPr/>
-                </a:tc>
-                <a:extLst>
-                  <a:ext uri="{0D108BD9-81ED-4DB2-BD59-A6C34878D82A}">
-                    <a16:rowId xmlns:a16="http://schemas.microsoft.com/office/drawing/2014/main" val="10005"/>
-                  </a:ext>
-                </a:extLst>
-              </a:tr>
-              <a:tr h="335280">
-                <a:tc>
-                  <a:txBody>
-                    <a:bodyPr/>
-                    <a:lstStyle/>
-                    <a:p>
-                      <a:pPr algn="ctr"/>
-                      <a:r>
-                        <a:rPr lang="de-DE" dirty="0"/>
-                        <a:t>Density</a:t>
-                      </a:r>
-                      <a:endParaRPr lang="en-US" dirty="0"/>
-                    </a:p>
-                  </a:txBody>
-                  <a:tcPr/>
-                </a:tc>
-                <a:extLst>
-                  <a:ext uri="{0D108BD9-81ED-4DB2-BD59-A6C34878D82A}">
-                    <a16:rowId xmlns:a16="http://schemas.microsoft.com/office/drawing/2014/main" val="10006"/>
-                  </a:ext>
-                </a:extLst>
-              </a:tr>
-              <a:tr h="335280">
-                <a:tc>
-                  <a:txBody>
-                    <a:bodyPr/>
-                    <a:lstStyle/>
-                    <a:p>
-                      <a:pPr algn="ctr"/>
-                      <a:r>
-                        <a:rPr lang="de-DE" dirty="0"/>
-                        <a:t>Standdensity</a:t>
-                      </a:r>
-                      <a:endParaRPr lang="en-US" dirty="0"/>
-                    </a:p>
-                  </a:txBody>
-                  <a:tcPr/>
-                </a:tc>
-                <a:extLst>
-                  <a:ext uri="{0D108BD9-81ED-4DB2-BD59-A6C34878D82A}">
-                    <a16:rowId xmlns:a16="http://schemas.microsoft.com/office/drawing/2014/main" val="10007"/>
-                  </a:ext>
-                </a:extLst>
-              </a:tr>
-              <a:tr h="335280">
-                <a:tc>
-                  <a:txBody>
-                    <a:bodyPr/>
-                    <a:lstStyle/>
-                    <a:p>
-                      <a:pPr algn="ctr"/>
-                      <a:r>
-                        <a:rPr lang="de-DE" dirty="0"/>
-                        <a:t>Species</a:t>
-                      </a:r>
-                      <a:endParaRPr lang="en-US" dirty="0"/>
-                    </a:p>
-                  </a:txBody>
-                  <a:tcPr/>
-                </a:tc>
-                <a:extLst>
-                  <a:ext uri="{0D108BD9-81ED-4DB2-BD59-A6C34878D82A}">
-                    <a16:rowId xmlns:a16="http://schemas.microsoft.com/office/drawing/2014/main" val="10008"/>
-                  </a:ext>
-                </a:extLst>
-              </a:tr>
-              <a:tr h="335280">
-                <a:tc>
-                  <a:txBody>
-                    <a:bodyPr/>
-                    <a:lstStyle/>
-                    <a:p>
-                      <a:pPr algn="ctr"/>
-                      <a:r>
-                        <a:rPr lang="de-DE" dirty="0"/>
-                        <a:t>Species_rank</a:t>
-                      </a:r>
-                      <a:endParaRPr lang="en-US" dirty="0"/>
-                    </a:p>
-                  </a:txBody>
-                  <a:tcPr/>
-                </a:tc>
-                <a:extLst>
-                  <a:ext uri="{0D108BD9-81ED-4DB2-BD59-A6C34878D82A}">
-                    <a16:rowId xmlns:a16="http://schemas.microsoft.com/office/drawing/2014/main" val="10009"/>
-                  </a:ext>
-                </a:extLst>
-              </a:tr>
-              <a:tr h="335280">
-                <a:tc>
-                  <a:txBody>
-                    <a:bodyPr/>
-                    <a:lstStyle/>
-                    <a:p>
-                      <a:pPr algn="ctr"/>
-                      <a:r>
-                        <a:rPr lang="de-DE" dirty="0">
-                          <a:solidFill>
-                            <a:srgbClr val="92D050"/>
-                          </a:solidFill>
-                        </a:rPr>
-                        <a:t>Part_cd</a:t>
-                      </a:r>
-                      <a:endParaRPr lang="en-US" dirty="0">
-                        <a:solidFill>
-                          <a:srgbClr val="92D050"/>
-                        </a:solidFill>
-                      </a:endParaRPr>
-                    </a:p>
-                  </a:txBody>
-                  <a:tcPr/>
-                </a:tc>
-                <a:extLst>
-                  <a:ext uri="{0D108BD9-81ED-4DB2-BD59-A6C34878D82A}">
-                    <a16:rowId xmlns:a16="http://schemas.microsoft.com/office/drawing/2014/main" val="10010"/>
-                  </a:ext>
-                </a:extLst>
-              </a:tr>
-              <a:tr h="335280">
-                <a:tc>
-                  <a:txBody>
-                    <a:bodyPr/>
-                    <a:lstStyle/>
-                    <a:p>
-                      <a:pPr algn="ctr"/>
-                      <a:r>
-                        <a:rPr lang="de-DE" dirty="0"/>
-                        <a:t>Species_age</a:t>
-                      </a:r>
-                      <a:endParaRPr lang="en-US" dirty="0"/>
-                    </a:p>
-                  </a:txBody>
-                  <a:tcPr/>
-                </a:tc>
-                <a:extLst>
-                  <a:ext uri="{0D108BD9-81ED-4DB2-BD59-A6C34878D82A}">
-                    <a16:rowId xmlns:a16="http://schemas.microsoft.com/office/drawing/2014/main" val="10011"/>
-                  </a:ext>
-                </a:extLst>
-              </a:tr>
-              <a:tr h="335280">
-                <a:tc>
-                  <a:txBody>
-                    <a:bodyPr/>
-                    <a:lstStyle/>
-                    <a:p>
-                      <a:pPr algn="ctr"/>
-                      <a:r>
-                        <a:rPr lang="de-DE" dirty="0"/>
-                        <a:t>Bhd</a:t>
-                      </a:r>
-                      <a:endParaRPr lang="en-US" dirty="0"/>
-                    </a:p>
-                  </a:txBody>
-                  <a:tcPr/>
-                </a:tc>
-                <a:extLst>
-                  <a:ext uri="{0D108BD9-81ED-4DB2-BD59-A6C34878D82A}">
-                    <a16:rowId xmlns:a16="http://schemas.microsoft.com/office/drawing/2014/main" val="10012"/>
-                  </a:ext>
-                </a:extLst>
-              </a:tr>
-              <a:tr h="335280">
-                <a:tc>
-                  <a:txBody>
-                    <a:bodyPr/>
-                    <a:lstStyle/>
-                    <a:p>
-                      <a:pPr algn="ctr"/>
-                      <a:r>
-                        <a:rPr lang="de-DE" dirty="0"/>
-                        <a:t>Height</a:t>
-                      </a:r>
-                      <a:endParaRPr lang="en-US" dirty="0"/>
-                    </a:p>
-                  </a:txBody>
-                  <a:tcPr/>
-                </a:tc>
-                <a:extLst>
-                  <a:ext uri="{0D108BD9-81ED-4DB2-BD59-A6C34878D82A}">
-                    <a16:rowId xmlns:a16="http://schemas.microsoft.com/office/drawing/2014/main" val="10013"/>
-                  </a:ext>
-                </a:extLst>
-              </a:tr>
-              <a:tr h="335280">
-                <a:tc>
-                  <a:txBody>
-                    <a:bodyPr/>
-                    <a:lstStyle/>
-                    <a:p>
-                      <a:pPr algn="ctr"/>
-                      <a:r>
-                        <a:rPr lang="de-DE" dirty="0"/>
-                        <a:t>Basal_area</a:t>
-                      </a:r>
-                      <a:endParaRPr lang="en-US" dirty="0"/>
-                    </a:p>
-                  </a:txBody>
-                  <a:tcPr/>
-                </a:tc>
-                <a:extLst>
-                  <a:ext uri="{0D108BD9-81ED-4DB2-BD59-A6C34878D82A}">
-                    <a16:rowId xmlns:a16="http://schemas.microsoft.com/office/drawing/2014/main" val="10014"/>
-                  </a:ext>
-                </a:extLst>
-              </a:tr>
-              <a:tr h="335280">
-                <a:tc>
-                  <a:txBody>
-                    <a:bodyPr/>
-                    <a:lstStyle/>
-                    <a:p>
-                      <a:pPr algn="ctr"/>
-                      <a:r>
-                        <a:rPr lang="de-DE" dirty="0"/>
-                        <a:t>Volume </a:t>
-                      </a:r>
-                      <a:endParaRPr lang="en-US" dirty="0"/>
-                    </a:p>
-                  </a:txBody>
-                  <a:tcPr/>
-                </a:tc>
-                <a:extLst>
-                  <a:ext uri="{0D108BD9-81ED-4DB2-BD59-A6C34878D82A}">
-                    <a16:rowId xmlns:a16="http://schemas.microsoft.com/office/drawing/2014/main" val="10015"/>
-                  </a:ext>
-                </a:extLst>
-              </a:tr>
-            </a:tbl>
-          </a:graphicData>
-        </a:graphic>
-      </p:graphicFrame>
-    </p:spTree>
-    <p:extLst>
-      <p:ext uri="{BB962C8B-B14F-4D97-AF65-F5344CB8AC3E}">
-        <p14:creationId xmlns:p14="http://schemas.microsoft.com/office/powerpoint/2010/main" val="3095537116"/>
-      </p:ext>
-    </p:extLst>
-  </p:cSld>
-  <p:clrMapOvr>
-    <a:masterClrMapping/>
-  </p:clrMapOvr>
-</p:sld>
-</file>
-
-<file path=ppt/slides/slide4.xml><?xml version="1.0" encoding="utf-8"?>
-<p:sld xmlns:a="http://schemas.openxmlformats.org/drawingml/2006/main" xmlns:r="http://schemas.openxmlformats.org/officeDocument/2006/relationships" xmlns:p="http://schemas.openxmlformats.org/presentationml/2006/main">
-  <p:cSld>
-    <p:spTree>
-      <p:nvGrpSpPr>
-        <p:cNvPr id="1" name=""/>
-        <p:cNvGrpSpPr/>
-        <p:nvPr/>
-      </p:nvGrpSpPr>
-      <p:grpSpPr>
-        <a:xfrm>
-          <a:off x="0" y="0"/>
-          <a:ext cx="0" cy="0"/>
-          <a:chOff x="0" y="0"/>
-          <a:chExt cx="0" cy="0"/>
-        </a:xfrm>
-      </p:grpSpPr>
-      <p:sp>
-        <p:nvSpPr>
-          <p:cNvPr id="2" name="Title 1"/>
-          <p:cNvSpPr>
-            <a:spLocks noGrp="1"/>
-          </p:cNvSpPr>
-          <p:nvPr>
-            <p:ph type="title"/>
-          </p:nvPr>
-        </p:nvSpPr>
-        <p:spPr>
-          <a:xfrm>
-            <a:off x="1435608" y="274638"/>
-            <a:ext cx="7498080" cy="944562"/>
-          </a:xfrm>
-        </p:spPr>
-        <p:txBody>
-          <a:bodyPr/>
-          <a:lstStyle/>
-          <a:p>
-            <a:r>
-              <a:rPr lang="de-DE" dirty="0"/>
-              <a:t>Data Exploration </a:t>
-            </a:r>
-            <a:endParaRPr lang="en-US" dirty="0"/>
-          </a:p>
-        </p:txBody>
-      </p:sp>
-      <p:pic>
-        <p:nvPicPr>
-          <p:cNvPr id="4098" name="Picture 2"/>
-          <p:cNvPicPr>
-            <a:picLocks noGrp="1" noChangeAspect="1" noChangeArrowheads="1"/>
-          </p:cNvPicPr>
-          <p:nvPr>
-            <p:ph idx="1"/>
-          </p:nvPr>
-        </p:nvPicPr>
-        <p:blipFill>
-          <a:blip r:embed="rId2">
-            <a:extLst>
-              <a:ext uri="{28A0092B-C50C-407E-A947-70E740481C1C}">
-                <a14:useLocalDpi xmlns:a14="http://schemas.microsoft.com/office/drawing/2010/main" val="0"/>
-              </a:ext>
-            </a:extLst>
-          </a:blip>
-          <a:srcRect/>
-          <a:stretch>
-            <a:fillRect/>
-          </a:stretch>
-        </p:blipFill>
-        <p:spPr bwMode="auto">
-          <a:xfrm>
-            <a:off x="1905000" y="1219200"/>
-            <a:ext cx="6353489" cy="4800600"/>
-          </a:xfrm>
-          <a:prstGeom prst="rect">
-            <a:avLst/>
-          </a:prstGeom>
-          <a:noFill/>
-          <a:ln>
-            <a:noFill/>
-          </a:ln>
-          <a:extLst>
-            <a:ext uri="{909E8E84-426E-40DD-AFC4-6F175D3DCCD1}">
-              <a14:hiddenFill xmlns:a14="http://schemas.microsoft.com/office/drawing/2010/main">
-                <a:solidFill>
-                  <a:schemeClr val="accent1"/>
-                </a:solidFill>
-              </a14:hiddenFill>
-            </a:ext>
-            <a:ext uri="{91240B29-F687-4F45-9708-019B960494DF}">
-              <a14:hiddenLine xmlns:a14="http://schemas.microsoft.com/office/drawing/2010/main" w="9525">
-                <a:solidFill>
-                  <a:schemeClr val="tx1"/>
-                </a:solidFill>
-                <a:miter lim="800000"/>
-                <a:headEnd/>
-                <a:tailEnd/>
-              </a14:hiddenLine>
-            </a:ext>
-          </a:extLst>
-        </p:spPr>
-      </p:pic>
-    </p:spTree>
-    <p:extLst>
-      <p:ext uri="{BB962C8B-B14F-4D97-AF65-F5344CB8AC3E}">
-        <p14:creationId xmlns:p14="http://schemas.microsoft.com/office/powerpoint/2010/main" val="3763177562"/>
-      </p:ext>
-    </p:extLst>
-  </p:cSld>
-  <p:clrMapOvr>
-    <a:masterClrMapping/>
-  </p:clrMapOvr>
-</p:sld>
-</file>
-
-<file path=ppt/slides/slide5.xml><?xml version="1.0" encoding="utf-8"?>
 <p:sld xmlns:a="http://schemas.openxmlformats.org/drawingml/2006/main" xmlns:r="http://schemas.openxmlformats.org/officeDocument/2006/relationships" xmlns:p="http://schemas.openxmlformats.org/presentationml/2006/main">
   <p:cSld>
     <p:spTree>
@@ -8306,117 +7732,7 @@
 </p:sld>
 </file>
 
-<file path=ppt/slides/slide6.xml><?xml version="1.0" encoding="utf-8"?>
-<p:sld xmlns:a="http://schemas.openxmlformats.org/drawingml/2006/main" xmlns:r="http://schemas.openxmlformats.org/officeDocument/2006/relationships" xmlns:p="http://schemas.openxmlformats.org/presentationml/2006/main">
-  <p:cSld>
-    <p:spTree>
-      <p:nvGrpSpPr>
-        <p:cNvPr id="1" name=""/>
-        <p:cNvGrpSpPr/>
-        <p:nvPr/>
-      </p:nvGrpSpPr>
-      <p:grpSpPr>
-        <a:xfrm>
-          <a:off x="0" y="0"/>
-          <a:ext cx="0" cy="0"/>
-          <a:chOff x="0" y="0"/>
-          <a:chExt cx="0" cy="0"/>
-        </a:xfrm>
-      </p:grpSpPr>
-      <p:sp>
-        <p:nvSpPr>
-          <p:cNvPr id="2" name="Title 1"/>
-          <p:cNvSpPr>
-            <a:spLocks noGrp="1"/>
-          </p:cNvSpPr>
-          <p:nvPr>
-            <p:ph type="title"/>
-          </p:nvPr>
-        </p:nvSpPr>
-        <p:spPr/>
-        <p:txBody>
-          <a:bodyPr/>
-          <a:lstStyle/>
-          <a:p>
-            <a:pPr algn="ctr"/>
-            <a:r>
-              <a:rPr lang="de-DE" dirty="0"/>
-              <a:t>Data Exploration </a:t>
-            </a:r>
-            <a:endParaRPr lang="en-US" dirty="0"/>
-          </a:p>
-        </p:txBody>
-      </p:sp>
-      <p:pic>
-        <p:nvPicPr>
-          <p:cNvPr id="6146" name="Picture 2"/>
-          <p:cNvPicPr>
-            <a:picLocks noGrp="1" noChangeAspect="1" noChangeArrowheads="1"/>
-          </p:cNvPicPr>
-          <p:nvPr>
-            <p:ph idx="1"/>
-          </p:nvPr>
-        </p:nvPicPr>
-        <p:blipFill>
-          <a:blip r:embed="rId2">
-            <a:extLst>
-              <a:ext uri="{28A0092B-C50C-407E-A947-70E740481C1C}">
-                <a14:useLocalDpi xmlns:a14="http://schemas.microsoft.com/office/drawing/2010/main" val="0"/>
-              </a:ext>
-            </a:extLst>
-          </a:blip>
-          <a:srcRect/>
-          <a:stretch>
-            <a:fillRect/>
-          </a:stretch>
-        </p:blipFill>
-        <p:spPr bwMode="auto">
-          <a:xfrm>
-            <a:off x="2710457" y="1447800"/>
-            <a:ext cx="4948636" cy="4800600"/>
-          </a:xfrm>
-          <a:prstGeom prst="rect">
-            <a:avLst/>
-          </a:prstGeom>
-          <a:noFill/>
-          <a:ln>
-            <a:noFill/>
-          </a:ln>
-          <a:extLst>
-            <a:ext uri="{909E8E84-426E-40DD-AFC4-6F175D3DCCD1}">
-              <a14:hiddenFill xmlns:a14="http://schemas.microsoft.com/office/drawing/2010/main">
-                <a:solidFill>
-                  <a:schemeClr val="accent1"/>
-                </a:solidFill>
-              </a14:hiddenFill>
-            </a:ext>
-            <a:ext uri="{91240B29-F687-4F45-9708-019B960494DF}">
-              <a14:hiddenLine xmlns:a14="http://schemas.microsoft.com/office/drawing/2010/main" w="9525">
-                <a:solidFill>
-                  <a:schemeClr val="tx1"/>
-                </a:solidFill>
-                <a:miter lim="800000"/>
-                <a:headEnd/>
-                <a:tailEnd/>
-              </a14:hiddenLine>
-            </a:ext>
-          </a:extLst>
-        </p:spPr>
-      </p:pic>
-    </p:spTree>
-    <p:extLst>
-      <p:ext uri="{BB962C8B-B14F-4D97-AF65-F5344CB8AC3E}">
-        <p14:creationId xmlns:p14="http://schemas.microsoft.com/office/powerpoint/2010/main" val="31258506"/>
-      </p:ext>
-    </p:extLst>
-  </p:cSld>
-  <p:clrMapOvr>
-    <a:masterClrMapping/>
-  </p:clrMapOvr>
-</p:sld>
-</file>
-
-<file path=ppt/slides/slide7.xml><?xml version="1.0" encoding="utf-8"?>
+<file path=ppt/slides/slide4.xml><?xml version="1.0" encoding="utf-8"?>
 <p:sld xmlns:a="http://schemas.openxmlformats.org/drawingml/2006/main" xmlns:r="http://schemas.openxmlformats.org/officeDocument/2006/relationships" xmlns:p="http://schemas.openxmlformats.org/presentationml/2006/main">
   <p:cSld>
     <p:spTree>
@@ -8522,7 +7838,7 @@
 </p:sld>
 </file>
 
-<file path=ppt/slides/slide8.xml><?xml version="1.0" encoding="utf-8"?>
+<file path=ppt/slides/slide5.xml><?xml version="1.0" encoding="utf-8"?>
 <p:sld xmlns:a="http://schemas.openxmlformats.org/drawingml/2006/main" xmlns:r="http://schemas.openxmlformats.org/officeDocument/2006/relationships" xmlns:p="http://schemas.openxmlformats.org/presentationml/2006/main">
   <p:cSld>
     <p:spTree>
@@ -8556,236 +7872,6 @@
           </a:bodyPr>
           <a:lstStyle/>
           <a:p>
-            <a:pPr algn="ctr"/>
-            <a:r>
-              <a:rPr lang="de-DE" dirty="0"/>
-              <a:t>Model Validation</a:t>
-            </a:r>
-            <a:endParaRPr lang="en-US" dirty="0"/>
-          </a:p>
-        </p:txBody>
-      </p:sp>
-      <p:pic>
-        <p:nvPicPr>
-          <p:cNvPr id="7170" name="Picture 2"/>
-          <p:cNvPicPr>
-            <a:picLocks noGrp="1" noChangeAspect="1" noChangeArrowheads="1"/>
-          </p:cNvPicPr>
-          <p:nvPr>
-            <p:ph idx="1"/>
-          </p:nvPr>
-        </p:nvPicPr>
-        <p:blipFill>
-          <a:blip r:embed="rId2">
-            <a:extLst>
-              <a:ext uri="{28A0092B-C50C-407E-A947-70E740481C1C}">
-                <a14:useLocalDpi xmlns:a14="http://schemas.microsoft.com/office/drawing/2010/main" val="0"/>
-              </a:ext>
-            </a:extLst>
-          </a:blip>
-          <a:srcRect/>
-          <a:stretch>
-            <a:fillRect/>
-          </a:stretch>
-        </p:blipFill>
-        <p:spPr bwMode="auto">
-          <a:xfrm>
-            <a:off x="1371601" y="1542602"/>
-            <a:ext cx="4105838" cy="2191198"/>
-          </a:xfrm>
-          <a:prstGeom prst="rect">
-            <a:avLst/>
-          </a:prstGeom>
-          <a:noFill/>
-          <a:ln>
-            <a:noFill/>
-          </a:ln>
-          <a:extLst>
-            <a:ext uri="{909E8E84-426E-40DD-AFC4-6F175D3DCCD1}">
-              <a14:hiddenFill xmlns:a14="http://schemas.microsoft.com/office/drawing/2010/main">
-                <a:solidFill>
-                  <a:schemeClr val="accent1"/>
-                </a:solidFill>
-              </a14:hiddenFill>
-            </a:ext>
-            <a:ext uri="{91240B29-F687-4F45-9708-019B960494DF}">
-              <a14:hiddenLine xmlns:a14="http://schemas.microsoft.com/office/drawing/2010/main" w="9525">
-                <a:solidFill>
-                  <a:schemeClr val="tx1"/>
-                </a:solidFill>
-                <a:miter lim="800000"/>
-                <a:headEnd/>
-                <a:tailEnd/>
-              </a14:hiddenLine>
-            </a:ext>
-          </a:extLst>
-        </p:spPr>
-      </p:pic>
-      <p:sp>
-        <p:nvSpPr>
-          <p:cNvPr id="4" name="TextBox 3"/>
-          <p:cNvSpPr txBox="1"/>
-          <p:nvPr/>
-        </p:nvSpPr>
-        <p:spPr>
-          <a:xfrm>
-            <a:off x="5943600" y="1828800"/>
-            <a:ext cx="2209800" cy="2031325"/>
-          </a:xfrm>
-          <a:prstGeom prst="rect">
-            <a:avLst/>
-          </a:prstGeom>
-          <a:noFill/>
-          <a:ln>
-            <a:solidFill>
-              <a:schemeClr val="accent1"/>
-            </a:solidFill>
-          </a:ln>
-        </p:spPr>
-        <p:txBody>
-          <a:bodyPr wrap="square" rtlCol="0">
-            <a:spAutoFit/>
-          </a:bodyPr>
-          <a:lstStyle/>
-          <a:p>
-            <a:r>
-              <a:rPr lang="de-DE" b="1" dirty="0"/>
-              <a:t>Linear Regression</a:t>
-            </a:r>
-          </a:p>
-          <a:p>
-            <a:endParaRPr lang="de-DE" dirty="0"/>
-          </a:p>
-          <a:p>
-            <a:r>
-              <a:rPr lang="de-DE" dirty="0"/>
-              <a:t>R-squared: 0.928</a:t>
-            </a:r>
-          </a:p>
-          <a:p>
-            <a:endParaRPr lang="de-DE" dirty="0"/>
-          </a:p>
-          <a:p>
-            <a:r>
-              <a:rPr lang="en-US" dirty="0"/>
-              <a:t>MAE score: 14.571</a:t>
-            </a:r>
-          </a:p>
-          <a:p>
-            <a:endParaRPr lang="en-US" dirty="0"/>
-          </a:p>
-          <a:p>
-            <a:r>
-              <a:rPr lang="en-US" dirty="0"/>
-              <a:t>MSE score: 411.319</a:t>
-            </a:r>
-          </a:p>
-        </p:txBody>
-      </p:sp>
-      <p:sp>
-        <p:nvSpPr>
-          <p:cNvPr id="5" name="TextBox 4"/>
-          <p:cNvSpPr txBox="1"/>
-          <p:nvPr/>
-        </p:nvSpPr>
-        <p:spPr>
-          <a:xfrm>
-            <a:off x="1524000" y="4038600"/>
-            <a:ext cx="3962400" cy="1754326"/>
-          </a:xfrm>
-          <a:prstGeom prst="rect">
-            <a:avLst/>
-          </a:prstGeom>
-          <a:noFill/>
-        </p:spPr>
-        <p:txBody>
-          <a:bodyPr wrap="square" rtlCol="0">
-            <a:spAutoFit/>
-          </a:bodyPr>
-          <a:lstStyle/>
-          <a:p>
-            <a:r>
-              <a:rPr lang="en-US" b="1" dirty="0"/>
-              <a:t>Support Vector Regression (SVR)</a:t>
-            </a:r>
-          </a:p>
-          <a:p>
-            <a:endParaRPr lang="de-DE" dirty="0"/>
-          </a:p>
-          <a:p>
-            <a:r>
-              <a:rPr lang="en-GB" dirty="0"/>
-              <a:t>Mean absolute error: 45.07 </a:t>
-            </a:r>
-          </a:p>
-          <a:p>
-            <a:r>
-              <a:rPr lang="en-GB" dirty="0"/>
-              <a:t>Mean squared error: 3842.55 </a:t>
-            </a:r>
-          </a:p>
-          <a:p>
-            <a:r>
-              <a:rPr lang="en-GB" dirty="0"/>
-              <a:t>Root mean squared error: 61.99 </a:t>
-            </a:r>
-          </a:p>
-          <a:p>
-            <a:r>
-              <a:rPr lang="en-GB" dirty="0"/>
-              <a:t>R2: 0.37</a:t>
-            </a:r>
-            <a:endParaRPr lang="en-US" dirty="0"/>
-          </a:p>
-        </p:txBody>
-      </p:sp>
-    </p:spTree>
-    <p:extLst>
-      <p:ext uri="{BB962C8B-B14F-4D97-AF65-F5344CB8AC3E}">
-        <p14:creationId xmlns:p14="http://schemas.microsoft.com/office/powerpoint/2010/main" val="654216182"/>
-      </p:ext>
-    </p:extLst>
-  </p:cSld>
-  <p:clrMapOvr>
-    <a:masterClrMapping/>
-  </p:clrMapOvr>
-</p:sld>
-</file>
-
-<file path=ppt/slides/slide9.xml><?xml version="1.0" encoding="utf-8"?>
-<p:sld xmlns:a="http://schemas.openxmlformats.org/drawingml/2006/main" xmlns:r="http://schemas.openxmlformats.org/officeDocument/2006/relationships" xmlns:p="http://schemas.openxmlformats.org/presentationml/2006/main">
-  <p:cSld>
-    <p:spTree>
-      <p:nvGrpSpPr>
-        <p:cNvPr id="1" name=""/>
-        <p:cNvGrpSpPr/>
-        <p:nvPr/>
-      </p:nvGrpSpPr>
-      <p:grpSpPr>
-        <a:xfrm>
-          <a:off x="0" y="0"/>
-          <a:ext cx="0" cy="0"/>
-          <a:chOff x="0" y="0"/>
-          <a:chExt cx="0" cy="0"/>
-        </a:xfrm>
-      </p:grpSpPr>
-      <p:sp>
-        <p:nvSpPr>
-          <p:cNvPr id="2" name="Title 1"/>
-          <p:cNvSpPr>
-            <a:spLocks noGrp="1"/>
-          </p:cNvSpPr>
-          <p:nvPr>
-            <p:ph type="title"/>
-          </p:nvPr>
-        </p:nvSpPr>
-        <p:spPr/>
-        <p:txBody>
-          <a:bodyPr>
-            <a:normAutofit/>
-          </a:bodyPr>
-          <a:lstStyle/>
-          <a:p>
             <a:r>
               <a:rPr lang="de-DE" dirty="0"/>
               <a:t>Conclusion;</a:t>
@@ -8811,7 +7897,7 @@
           <a:p>
             <a:r>
               <a:rPr lang="de-DE" dirty="0"/>
-              <a:t>Height and basal area are the best predictions.</a:t>
+              <a:t>Height and basal area are the best predictors.</a:t>
             </a:r>
           </a:p>
           <a:p>
